--- a/Proposal/Options_Update1.pptx
+++ b/Proposal/Options_Update1.pptx
@@ -171,8 +171,9 @@
 <file path=ppt/revisionInfo.xml><?xml version="1.0" encoding="utf-8"?>
 <p1510:revInfo xmlns:a="http://schemas.openxmlformats.org/drawingml/2006/main" xmlns:r="http://schemas.openxmlformats.org/officeDocument/2006/relationships" xmlns:p1510="http://schemas.microsoft.com/office/powerpoint/2015/10/main">
   <p1510:revLst>
+    <p1510:client id="{271D7C0F-2E64-4920-9D60-11DF2EF82001}" v="364" dt="2020-10-19T15:33:07.717"/>
     <p1510:client id="{58DBCC94-28B1-42A5-A4DD-75769C49F4BD}" v="5" dt="2020-10-18T18:53:13.719"/>
-    <p1510:client id="{7536F76C-6A63-4C7B-B8D7-7B224834D368}" v="88" dt="2020-10-19T01:26:17.456"/>
+    <p1510:client id="{7536F76C-6A63-4C7B-B8D7-7B224834D368}" v="259" dt="2020-10-19T15:44:09.576"/>
   </p1510:revLst>
 </p1510:revInfo>
 </file>
@@ -515,19 +516,73 @@
   </pc:docChgLst>
   <pc:docChgLst>
     <pc:chgData name="Vincent Cortese" userId="4bd9b49d11943418" providerId="LiveId" clId="{7536F76C-6A63-4C7B-B8D7-7B224834D368}"/>
-    <pc:docChg chg="modSld">
-      <pc:chgData name="Vincent Cortese" userId="4bd9b49d11943418" providerId="LiveId" clId="{7536F76C-6A63-4C7B-B8D7-7B224834D368}" dt="2020-10-19T01:26:17.457" v="87" actId="20577"/>
+    <pc:docChg chg="custSel modSld">
+      <pc:chgData name="Vincent Cortese" userId="4bd9b49d11943418" providerId="LiveId" clId="{7536F76C-6A63-4C7B-B8D7-7B224834D368}" dt="2020-10-19T15:44:09.576" v="258" actId="20577"/>
       <pc:docMkLst>
         <pc:docMk/>
       </pc:docMkLst>
-      <pc:sldChg chg="modSp mod">
-        <pc:chgData name="Vincent Cortese" userId="4bd9b49d11943418" providerId="LiveId" clId="{7536F76C-6A63-4C7B-B8D7-7B224834D368}" dt="2020-10-19T01:26:17.457" v="87" actId="20577"/>
+      <pc:sldChg chg="modSp mod modNotesTx">
+        <pc:chgData name="Vincent Cortese" userId="4bd9b49d11943418" providerId="LiveId" clId="{7536F76C-6A63-4C7B-B8D7-7B224834D368}" dt="2020-10-19T15:44:09.576" v="258" actId="20577"/>
         <pc:sldMkLst>
           <pc:docMk/>
           <pc:sldMk cId="3440423750" sldId="265"/>
         </pc:sldMkLst>
         <pc:spChg chg="mod">
           <ac:chgData name="Vincent Cortese" userId="4bd9b49d11943418" providerId="LiveId" clId="{7536F76C-6A63-4C7B-B8D7-7B224834D368}" dt="2020-10-19T01:26:17.457" v="87" actId="20577"/>
+          <ac:spMkLst>
+            <pc:docMk/>
+            <pc:sldMk cId="3440423750" sldId="265"/>
+            <ac:spMk id="6" creationId="{3547E6B6-9F90-421F-86A2-43A6DBE4D0BE}"/>
+          </ac:spMkLst>
+        </pc:spChg>
+      </pc:sldChg>
+    </pc:docChg>
+  </pc:docChgLst>
+  <pc:docChgLst>
+    <pc:chgData name="John Tartaglia" userId="7dd1c6642597324d" providerId="Windows Live" clId="Web-{271D7C0F-2E64-4920-9D60-11DF2EF82001}"/>
+    <pc:docChg chg="modSld">
+      <pc:chgData name="John Tartaglia" userId="7dd1c6642597324d" providerId="Windows Live" clId="Web-{271D7C0F-2E64-4920-9D60-11DF2EF82001}" dt="2020-10-19T15:33:07.717" v="362" actId="20577"/>
+      <pc:docMkLst>
+        <pc:docMk/>
+      </pc:docMkLst>
+      <pc:sldChg chg="modSp">
+        <pc:chgData name="John Tartaglia" userId="7dd1c6642597324d" providerId="Windows Live" clId="Web-{271D7C0F-2E64-4920-9D60-11DF2EF82001}" dt="2020-10-19T15:16:15.718" v="257" actId="20577"/>
+        <pc:sldMkLst>
+          <pc:docMk/>
+          <pc:sldMk cId="1815519956" sldId="257"/>
+        </pc:sldMkLst>
+        <pc:spChg chg="mod">
+          <ac:chgData name="John Tartaglia" userId="7dd1c6642597324d" providerId="Windows Live" clId="Web-{271D7C0F-2E64-4920-9D60-11DF2EF82001}" dt="2020-10-19T15:16:15.718" v="257" actId="20577"/>
+          <ac:spMkLst>
+            <pc:docMk/>
+            <pc:sldMk cId="1815519956" sldId="257"/>
+            <ac:spMk id="2" creationId="{00000000-0000-0000-0000-000000000000}"/>
+          </ac:spMkLst>
+        </pc:spChg>
+      </pc:sldChg>
+      <pc:sldChg chg="modSp">
+        <pc:chgData name="John Tartaglia" userId="7dd1c6642597324d" providerId="Windows Live" clId="Web-{271D7C0F-2E64-4920-9D60-11DF2EF82001}" dt="2020-10-19T15:33:07.717" v="362" actId="20577"/>
+        <pc:sldMkLst>
+          <pc:docMk/>
+          <pc:sldMk cId="1191925711" sldId="263"/>
+        </pc:sldMkLst>
+        <pc:spChg chg="mod">
+          <ac:chgData name="John Tartaglia" userId="7dd1c6642597324d" providerId="Windows Live" clId="Web-{271D7C0F-2E64-4920-9D60-11DF2EF82001}" dt="2020-10-19T15:33:07.717" v="362" actId="20577"/>
+          <ac:spMkLst>
+            <pc:docMk/>
+            <pc:sldMk cId="1191925711" sldId="263"/>
+            <ac:spMk id="6" creationId="{62D7EE50-B9AB-43A7-A9F2-1146716C8C9E}"/>
+          </ac:spMkLst>
+        </pc:spChg>
+      </pc:sldChg>
+      <pc:sldChg chg="modSp">
+        <pc:chgData name="John Tartaglia" userId="7dd1c6642597324d" providerId="Windows Live" clId="Web-{271D7C0F-2E64-4920-9D60-11DF2EF82001}" dt="2020-10-19T15:11:18.694" v="117" actId="20577"/>
+        <pc:sldMkLst>
+          <pc:docMk/>
+          <pc:sldMk cId="3440423750" sldId="265"/>
+        </pc:sldMkLst>
+        <pc:spChg chg="mod">
+          <ac:chgData name="John Tartaglia" userId="7dd1c6642597324d" providerId="Windows Live" clId="Web-{271D7C0F-2E64-4920-9D60-11DF2EF82001}" dt="2020-10-19T15:11:18.694" v="117" actId="20577"/>
           <ac:spMkLst>
             <pc:docMk/>
             <pc:sldMk cId="3440423750" sldId="265"/>
@@ -622,7 +677,7 @@
           <a:p>
             <a:fld id="{6CA05748-ED2D-D64E-99DF-8786916463A4}" type="datetime1">
               <a:rPr lang="en-US" smtClean="0"/>
-              <a:t>10/18/2020</a:t>
+              <a:t>10/19/2020</a:t>
             </a:fld>
             <a:endParaRPr lang="en-US"/>
           </a:p>
@@ -788,7 +843,7 @@
           <a:p>
             <a:fld id="{D8DAFACB-FB72-504C-9D79-2AB5728FD867}" type="datetime1">
               <a:rPr lang="en-US" smtClean="0"/>
-              <a:t>10/18/2020</a:t>
+              <a:t>10/19/2020</a:t>
             </a:fld>
             <a:endParaRPr lang="en-US"/>
           </a:p>
@@ -1131,6 +1186,102 @@
     <p:extLst>
       <p:ext uri="{BB962C8B-B14F-4D97-AF65-F5344CB8AC3E}">
         <p14:creationId xmlns:p14="http://schemas.microsoft.com/office/powerpoint/2010/main" val="1829753917"/>
+      </p:ext>
+    </p:extLst>
+  </p:cSld>
+  <p:clrMapOvr>
+    <a:masterClrMapping/>
+  </p:clrMapOvr>
+</p:notes>
+</file>
+
+<file path=ppt/notesSlides/notesSlide2.xml><?xml version="1.0" encoding="utf-8"?>
+<p:notes xmlns:a="http://schemas.openxmlformats.org/drawingml/2006/main" xmlns:r="http://schemas.openxmlformats.org/officeDocument/2006/relationships" xmlns:p="http://schemas.openxmlformats.org/presentationml/2006/main">
+  <p:cSld>
+    <p:spTree>
+      <p:nvGrpSpPr>
+        <p:cNvPr id="1" name=""/>
+        <p:cNvGrpSpPr/>
+        <p:nvPr/>
+      </p:nvGrpSpPr>
+      <p:grpSpPr>
+        <a:xfrm>
+          <a:off x="0" y="0"/>
+          <a:ext cx="0" cy="0"/>
+          <a:chOff x="0" y="0"/>
+          <a:chExt cx="0" cy="0"/>
+        </a:xfrm>
+      </p:grpSpPr>
+      <p:sp>
+        <p:nvSpPr>
+          <p:cNvPr id="2" name="Slide Image Placeholder 1"/>
+          <p:cNvSpPr>
+            <a:spLocks noGrp="1" noRot="1" noChangeAspect="1"/>
+          </p:cNvSpPr>
+          <p:nvPr>
+            <p:ph type="sldImg"/>
+          </p:nvPr>
+        </p:nvSpPr>
+        <p:spPr/>
+      </p:sp>
+      <p:sp>
+        <p:nvSpPr>
+          <p:cNvPr id="3" name="Notes Placeholder 2"/>
+          <p:cNvSpPr>
+            <a:spLocks noGrp="1"/>
+          </p:cNvSpPr>
+          <p:nvPr>
+            <p:ph type="body" idx="1"/>
+          </p:nvPr>
+        </p:nvSpPr>
+        <p:spPr/>
+        <p:txBody>
+          <a:bodyPr/>
+          <a:lstStyle/>
+          <a:p>
+            <a:r>
+              <a:rPr lang="en-US"/>
+              <a:t>Create a clear tree presentation to show why things are going to work, gives structure of which things are going to test.</a:t>
+            </a:r>
+          </a:p>
+          <a:p>
+            <a:endParaRPr lang="en-US"/>
+          </a:p>
+          <a:p>
+            <a:r>
+              <a:rPr lang="en-US"/>
+              <a:t>Nov 9, touch base</a:t>
+            </a:r>
+          </a:p>
+        </p:txBody>
+      </p:sp>
+      <p:sp>
+        <p:nvSpPr>
+          <p:cNvPr id="4" name="Slide Number Placeholder 3"/>
+          <p:cNvSpPr>
+            <a:spLocks noGrp="1"/>
+          </p:cNvSpPr>
+          <p:nvPr>
+            <p:ph type="sldNum" sz="quarter" idx="5"/>
+          </p:nvPr>
+        </p:nvSpPr>
+        <p:spPr/>
+        <p:txBody>
+          <a:bodyPr/>
+          <a:lstStyle/>
+          <a:p>
+            <a:fld id="{A6961DC2-A28F-4C81-9966-8D7B3191DD23}" type="slidenum">
+              <a:rPr lang="en-US" smtClean="0"/>
+              <a:t>8</a:t>
+            </a:fld>
+            <a:endParaRPr lang="en-US"/>
+          </a:p>
+        </p:txBody>
+      </p:sp>
+    </p:spTree>
+    <p:extLst>
+      <p:ext uri="{BB962C8B-B14F-4D97-AF65-F5344CB8AC3E}">
+        <p14:creationId xmlns:p14="http://schemas.microsoft.com/office/powerpoint/2010/main" val="983914672"/>
       </p:ext>
     </p:extLst>
   </p:cSld>
@@ -16856,7 +17007,7 @@
             </a:pPr>
             <a:r>
               <a:rPr lang="en-US" sz="1800"/>
-              <a:t>Volatility strategy to pursue </a:t>
+              <a:t>We have decided on a volatility strategy to pursue</a:t>
             </a:r>
           </a:p>
           <a:p>
@@ -16867,7 +17018,7 @@
             </a:pPr>
             <a:r>
               <a:rPr lang="en-US" sz="1800"/>
-              <a:t>Data collection update</a:t>
+              <a:t>We have a working data collection prototype that utilizes python and the Bloomberg-excel API</a:t>
             </a:r>
           </a:p>
           <a:p>
@@ -16878,7 +17029,18 @@
             </a:pPr>
             <a:r>
               <a:rPr lang="en-US" sz="1800"/>
-              <a:t>Potential portfolio implementations </a:t>
+              <a:t>Preliminary research on potential portfolio implementations </a:t>
+            </a:r>
+          </a:p>
+          <a:p>
+            <a:pPr>
+              <a:lnSpc>
+                <a:spcPct val="200000"/>
+              </a:lnSpc>
+            </a:pPr>
+            <a:r>
+              <a:rPr lang="en-US" sz="1800"/>
+              <a:t>Planning our next steps</a:t>
             </a:r>
           </a:p>
           <a:p>
@@ -17994,7 +18156,7 @@
           </a:prstGeom>
         </p:spPr>
         <p:txBody>
-          <a:bodyPr vert="horz"/>
+          <a:bodyPr vert="horz" lIns="91440" tIns="45720" rIns="91440" bIns="45720" anchor="t"/>
           <a:lstStyle>
             <a:lvl1pPr marL="285750" indent="-285750" algn="l" defTabSz="457200" rtl="0" eaLnBrk="1" latinLnBrk="0" hangingPunct="1">
               <a:spcBef>
@@ -18154,9 +18316,16 @@
             </a:r>
           </a:p>
           <a:p>
+            <a:pPr lvl="1"/>
             <a:r>
               <a:rPr lang="en-US"/>
-              <a:t>Shift focus to pitching an ETF or index that tracks the returns of a dispersion trading strategy</a:t>
+              <a:t>Returns and diversification benefit</a:t>
+            </a:r>
+          </a:p>
+          <a:p>
+            <a:r>
+              <a:rPr lang="en-US"/>
+              <a:t>Shift focus to pitching an ETF or index that tracks the returns of a dispersion trading strategy.</a:t>
             </a:r>
           </a:p>
           <a:p>
@@ -18171,6 +18340,13 @@
             <a:r>
               <a:rPr lang="en-US"/>
               <a:t>Access of dispersion to all types of investors</a:t>
+            </a:r>
+          </a:p>
+          <a:p>
+            <a:pPr lvl="1"/>
+            <a:r>
+              <a:rPr lang="en-US"/>
+              <a:t>Need to consider annual ETF expenses</a:t>
             </a:r>
           </a:p>
           <a:p>
@@ -18431,7 +18607,23 @@
             </a:pPr>
             <a:r>
               <a:rPr lang="en-US"/>
-              <a:t>Missing dates and illiquidity is an issue with option data </a:t>
+              <a:t>Missing dates and illiquidity is an issue with option data</a:t>
+            </a:r>
+          </a:p>
+          <a:p>
+            <a:pPr lvl="1">
+              <a:buFont typeface="Arial" panose="020B0604020202020204" pitchFamily="34" charset="0"/>
+            </a:pPr>
+            <a:r>
+              <a:rPr lang="en-US"/>
+              <a:t>Incorporate volume into our model</a:t>
+            </a:r>
+          </a:p>
+          <a:p>
+            <a:pPr lvl="1"/>
+            <a:r>
+              <a:rPr lang="en-US"/>
+              <a:t>Utilize bid/ask spreads if data is available through Bloomberg</a:t>
             </a:r>
           </a:p>
           <a:p>
@@ -18451,7 +18643,7 @@
             <a:pPr lvl="1"/>
             <a:r>
               <a:rPr lang="en-US"/>
-              <a:t>Explore further Skew Trading strategies to eventually implement  </a:t>
+              <a:t>Explore further Skew Trading strategies to eventually implement  </a:t>
             </a:r>
           </a:p>
           <a:p>
